--- a/papers/iqa_ssl/gif.pptx
+++ b/papers/iqa_ssl/gif.pptx
@@ -6,6 +6,7 @@
   </p:sldMasterIdLst>
   <p:sldIdLst>
     <p:sldId id="256" r:id="rId2"/>
+    <p:sldId id="257" r:id="rId3"/>
   </p:sldIdLst>
   <p:sldSz cx="12192000" cy="6858000"/>
   <p:notesSz cx="6858000" cy="9144000"/>
@@ -3321,60 +3322,98 @@
           <a:chExt cx="0" cy="0"/>
         </a:xfrm>
       </p:grpSpPr>
-      <p:sp>
-        <p:nvSpPr>
-          <p:cNvPr id="2" name="Title 1">
-            <a:extLst>
-              <a:ext uri="{FF2B5EF4-FFF2-40B4-BE49-F238E27FC236}">
-                <a16:creationId xmlns:a16="http://schemas.microsoft.com/office/drawing/2014/main" id="{8B44E615-1169-2943-9992-00B676F52FDC}"/>
-              </a:ext>
-            </a:extLst>
-          </p:cNvPr>
-          <p:cNvSpPr>
-            <a:spLocks noGrp="1"/>
-          </p:cNvSpPr>
-          <p:nvPr>
-            <p:ph type="ctrTitle"/>
-          </p:nvPr>
-        </p:nvSpPr>
-        <p:spPr/>
-        <p:txBody>
-          <a:bodyPr/>
-          <a:lstStyle/>
-          <a:p>
-            <a:endParaRPr lang="en-US"/>
-          </a:p>
-        </p:txBody>
-      </p:sp>
-      <p:sp>
-        <p:nvSpPr>
-          <p:cNvPr id="3" name="Subtitle 2">
-            <a:extLst>
-              <a:ext uri="{FF2B5EF4-FFF2-40B4-BE49-F238E27FC236}">
-                <a16:creationId xmlns:a16="http://schemas.microsoft.com/office/drawing/2014/main" id="{A48E7902-4DA8-364A-A8AA-8B3E6BB43F27}"/>
-              </a:ext>
-            </a:extLst>
-          </p:cNvPr>
-          <p:cNvSpPr>
-            <a:spLocks noGrp="1"/>
-          </p:cNvSpPr>
-          <p:nvPr>
-            <p:ph type="subTitle" idx="1"/>
-          </p:nvPr>
-        </p:nvSpPr>
-        <p:spPr/>
-        <p:txBody>
-          <a:bodyPr/>
-          <a:lstStyle/>
-          <a:p>
-            <a:endParaRPr lang="en-US"/>
-          </a:p>
-        </p:txBody>
-      </p:sp>
+      <p:pic>
+        <p:nvPicPr>
+          <p:cNvPr id="7" name="Picture 6" descr="Diagram&#10;&#10;Description automatically generated">
+            <a:extLst>
+              <a:ext uri="{FF2B5EF4-FFF2-40B4-BE49-F238E27FC236}">
+                <a16:creationId xmlns:a16="http://schemas.microsoft.com/office/drawing/2014/main" id="{9324D76C-C7F7-324D-89CF-6CE7FA89D813}"/>
+              </a:ext>
+            </a:extLst>
+          </p:cNvPr>
+          <p:cNvPicPr>
+            <a:picLocks noChangeAspect="1"/>
+          </p:cNvPicPr>
+          <p:nvPr/>
+        </p:nvPicPr>
+        <p:blipFill rotWithShape="1">
+          <a:blip r:embed="rId2"/>
+          <a:srcRect r="64880" b="33192"/>
+          <a:stretch/>
+        </p:blipFill>
+        <p:spPr>
+          <a:xfrm>
+            <a:off x="1022350" y="698500"/>
+            <a:ext cx="3563718" cy="3648417"/>
+          </a:xfrm>
+          <a:prstGeom prst="rect">
+            <a:avLst/>
+          </a:prstGeom>
+        </p:spPr>
+      </p:pic>
     </p:spTree>
     <p:extLst>
       <p:ext uri="{BB962C8B-B14F-4D97-AF65-F5344CB8AC3E}">
         <p14:creationId xmlns:p14="http://schemas.microsoft.com/office/powerpoint/2010/main" val="813608799"/>
+      </p:ext>
+    </p:extLst>
+  </p:cSld>
+  <p:clrMapOvr>
+    <a:masterClrMapping/>
+  </p:clrMapOvr>
+</p:sld>
+</file>
+
+<file path=ppt/slides/slide2.xml><?xml version="1.0" encoding="utf-8"?>
+<p:sld xmlns:a="http://schemas.openxmlformats.org/drawingml/2006/main" xmlns:r="http://schemas.openxmlformats.org/officeDocument/2006/relationships" xmlns:p="http://schemas.openxmlformats.org/presentationml/2006/main">
+  <p:cSld>
+    <p:spTree>
+      <p:nvGrpSpPr>
+        <p:cNvPr id="1" name=""/>
+        <p:cNvGrpSpPr/>
+        <p:nvPr/>
+      </p:nvGrpSpPr>
+      <p:grpSpPr>
+        <a:xfrm>
+          <a:off x="0" y="0"/>
+          <a:ext cx="0" cy="0"/>
+          <a:chOff x="0" y="0"/>
+          <a:chExt cx="0" cy="0"/>
+        </a:xfrm>
+      </p:grpSpPr>
+      <p:pic>
+        <p:nvPicPr>
+          <p:cNvPr id="7" name="Picture 6" descr="Diagram&#10;&#10;Description automatically generated">
+            <a:extLst>
+              <a:ext uri="{FF2B5EF4-FFF2-40B4-BE49-F238E27FC236}">
+                <a16:creationId xmlns:a16="http://schemas.microsoft.com/office/drawing/2014/main" id="{9324D76C-C7F7-324D-89CF-6CE7FA89D813}"/>
+              </a:ext>
+            </a:extLst>
+          </p:cNvPr>
+          <p:cNvPicPr>
+            <a:picLocks noChangeAspect="1"/>
+          </p:cNvPicPr>
+          <p:nvPr/>
+        </p:nvPicPr>
+        <p:blipFill rotWithShape="1">
+          <a:blip r:embed="rId2"/>
+          <a:srcRect b="33192"/>
+          <a:stretch/>
+        </p:blipFill>
+        <p:spPr>
+          <a:xfrm>
+            <a:off x="1022350" y="698500"/>
+            <a:ext cx="10147300" cy="3648417"/>
+          </a:xfrm>
+          <a:prstGeom prst="rect">
+            <a:avLst/>
+          </a:prstGeom>
+        </p:spPr>
+      </p:pic>
+    </p:spTree>
+    <p:extLst>
+      <p:ext uri="{BB962C8B-B14F-4D97-AF65-F5344CB8AC3E}">
+        <p14:creationId xmlns:p14="http://schemas.microsoft.com/office/powerpoint/2010/main" val="3682491562"/>
       </p:ext>
     </p:extLst>
   </p:cSld>
